--- a/06/Week 6-1_script.pptx
+++ b/06/Week 6-1_script.pptx
@@ -224,6 +224,22 @@
       </a:defRPr>
     </a:lvl9pPr>
   </p:defaultTextStyle>
+  <p:extLst>
+    <p:ext uri="{EFAFB233-063F-42B5-8137-9DF3F51BA10A}">
+      <p15:sldGuideLst xmlns:p15="http://schemas.microsoft.com/office/powerpoint/2012/main">
+        <p15:guide id="1" orient="horz" pos="1620">
+          <p15:clr>
+            <a:srgbClr val="A4A3A4"/>
+          </p15:clr>
+        </p15:guide>
+        <p15:guide id="2" pos="2880">
+          <p15:clr>
+            <a:srgbClr val="A4A3A4"/>
+          </p15:clr>
+        </p15:guide>
+      </p15:sldGuideLst>
+    </p:ext>
+  </p:extLst>
 </p:presentation>
 </file>
 
@@ -309,7 +325,7 @@
           <a:p>
             <a:fld id="{08775B08-2F3B-46AF-8C6B-8CE7990FAF83}" type="datetimeFigureOut">
               <a:rPr kumimoji="1" lang="ja-JP" altLang="en-US" smtClean="0"/>
-              <a:t>2017/3/15</a:t>
+              <a:t>2017/5/25</a:t>
             </a:fld>
             <a:endParaRPr kumimoji="1" lang="ja-JP" altLang="en-US"/>
           </a:p>
@@ -790,7 +806,7 @@
           <a:p>
             <a:fld id="{1CFBAB90-0EED-4191-80E3-B95538637E9A}" type="datetime1">
               <a:rPr kumimoji="1" lang="ja-JP" altLang="en-US" smtClean="0"/>
-              <a:t>2017/3/15</a:t>
+              <a:t>2017/5/25</a:t>
             </a:fld>
             <a:endParaRPr kumimoji="1" lang="ja-JP" altLang="en-US"/>
           </a:p>
@@ -992,7 +1008,7 @@
           <a:p>
             <a:fld id="{8F1B3AC0-0F88-469C-B7E8-234014D4E448}" type="datetime1">
               <a:rPr kumimoji="1" lang="ja-JP" altLang="en-US" smtClean="0"/>
-              <a:t>2017/3/15</a:t>
+              <a:t>2017/5/25</a:t>
             </a:fld>
             <a:endParaRPr kumimoji="1" lang="ja-JP" altLang="en-US"/>
           </a:p>
@@ -1204,7 +1220,7 @@
           <a:p>
             <a:fld id="{3230FD36-7324-429A-8DEE-8D0BCCDF9993}" type="datetime1">
               <a:rPr kumimoji="1" lang="ja-JP" altLang="en-US" smtClean="0"/>
-              <a:t>2017/3/15</a:t>
+              <a:t>2017/5/25</a:t>
             </a:fld>
             <a:endParaRPr kumimoji="1" lang="ja-JP" altLang="en-US"/>
           </a:p>
@@ -1659,7 +1675,7 @@
           <a:p>
             <a:fld id="{4CB088CB-9D3E-472B-8C83-C33DAFA14439}" type="datetime1">
               <a:rPr kumimoji="1" lang="ja-JP" altLang="en-US" smtClean="0"/>
-              <a:t>2017/3/15</a:t>
+              <a:t>2017/5/25</a:t>
             </a:fld>
             <a:endParaRPr kumimoji="1" lang="ja-JP" altLang="en-US"/>
           </a:p>
@@ -2011,7 +2027,7 @@
           <a:p>
             <a:fld id="{D7311870-C5D4-4974-B7FA-4F907EB392B1}" type="datetime1">
               <a:rPr kumimoji="1" lang="ja-JP" altLang="en-US" smtClean="0"/>
-              <a:t>2017/3/15</a:t>
+              <a:t>2017/5/25</a:t>
             </a:fld>
             <a:endParaRPr kumimoji="1" lang="ja-JP" altLang="en-US"/>
           </a:p>
@@ -2497,7 +2513,7 @@
           <a:p>
             <a:fld id="{01C33D39-F6BE-42B4-BCD0-3264BF2B5E1A}" type="datetime1">
               <a:rPr kumimoji="1" lang="ja-JP" altLang="en-US" smtClean="0"/>
-              <a:t>2017/3/15</a:t>
+              <a:t>2017/5/25</a:t>
             </a:fld>
             <a:endParaRPr kumimoji="1" lang="ja-JP" altLang="en-US"/>
           </a:p>
@@ -2615,7 +2631,7 @@
           <a:p>
             <a:fld id="{B66A35D8-323F-4F67-93E8-10DAE3584813}" type="datetime1">
               <a:rPr kumimoji="1" lang="ja-JP" altLang="en-US" smtClean="0"/>
-              <a:t>2017/3/15</a:t>
+              <a:t>2017/5/25</a:t>
             </a:fld>
             <a:endParaRPr kumimoji="1" lang="ja-JP" altLang="en-US"/>
           </a:p>
@@ -2710,7 +2726,7 @@
           <a:p>
             <a:fld id="{365E7FCB-10B6-406A-88A9-CFD485344614}" type="datetime1">
               <a:rPr kumimoji="1" lang="ja-JP" altLang="en-US" smtClean="0"/>
-              <a:t>2017/3/15</a:t>
+              <a:t>2017/5/25</a:t>
             </a:fld>
             <a:endParaRPr kumimoji="1" lang="ja-JP" altLang="en-US"/>
           </a:p>
@@ -3019,7 +3035,7 @@
           <a:p>
             <a:fld id="{4472583D-6700-47A4-92D6-3CCE3A3E4ECF}" type="datetime1">
               <a:rPr kumimoji="1" lang="ja-JP" altLang="en-US" smtClean="0"/>
-              <a:t>2017/3/15</a:t>
+              <a:t>2017/5/25</a:t>
             </a:fld>
             <a:endParaRPr kumimoji="1" lang="ja-JP" altLang="en-US"/>
           </a:p>
@@ -3272,7 +3288,7 @@
           <a:p>
             <a:fld id="{9F8C1C7B-9E4E-4059-96D1-83234B750861}" type="datetime1">
               <a:rPr kumimoji="1" lang="ja-JP" altLang="en-US" smtClean="0"/>
-              <a:t>2017/3/15</a:t>
+              <a:t>2017/5/25</a:t>
             </a:fld>
             <a:endParaRPr kumimoji="1" lang="ja-JP" altLang="en-US"/>
           </a:p>
@@ -3517,7 +3533,7 @@
           <a:p>
             <a:fld id="{A196305B-18EE-4954-A6AA-DE0C1A58DB8D}" type="datetime1">
               <a:rPr kumimoji="1" lang="ja-JP" altLang="en-US" smtClean="0"/>
-              <a:t>2017/3/15</a:t>
+              <a:t>2017/5/25</a:t>
             </a:fld>
             <a:endParaRPr kumimoji="1" lang="ja-JP" altLang="en-US"/>
           </a:p>
@@ -6047,11 +6063,7 @@
             </a:r>
             <a:r>
               <a:rPr lang="en-US" altLang="ja-JP" sz="4000" dirty="0" smtClean="0"/>
-              <a:t>indexes</a:t>
-            </a:r>
-            <a:r>
-              <a:rPr lang="en-US" altLang="ja-JP" sz="4000" dirty="0" smtClean="0"/>
-              <a:t>, </a:t>
+              <a:t>indexes, </a:t>
             </a:r>
             <a:r>
               <a:rPr lang="en-US" altLang="ja-JP" sz="4000" dirty="0"/>
@@ -22522,11 +22534,7 @@
             </a:r>
             <a:r>
               <a:rPr lang="en-US" altLang="ja-JP" sz="4000" dirty="0" smtClean="0"/>
-              <a:t>right</a:t>
-            </a:r>
-            <a:r>
-              <a:rPr lang="en-US" altLang="ja-JP" sz="4000" dirty="0" smtClean="0"/>
-              <a:t> </a:t>
+              <a:t>right </a:t>
             </a:r>
             <a:r>
               <a:rPr lang="en-US" altLang="ja-JP" sz="4000" dirty="0"/>

--- a/06/Week 6-1_script.pptx
+++ b/06/Week 6-1_script.pptx
@@ -224,22 +224,6 @@
       </a:defRPr>
     </a:lvl9pPr>
   </p:defaultTextStyle>
-  <p:extLst>
-    <p:ext uri="{EFAFB233-063F-42B5-8137-9DF3F51BA10A}">
-      <p15:sldGuideLst xmlns:p15="http://schemas.microsoft.com/office/powerpoint/2012/main">
-        <p15:guide id="1" orient="horz" pos="1620">
-          <p15:clr>
-            <a:srgbClr val="A4A3A4"/>
-          </p15:clr>
-        </p15:guide>
-        <p15:guide id="2" pos="2880">
-          <p15:clr>
-            <a:srgbClr val="A4A3A4"/>
-          </p15:clr>
-        </p15:guide>
-      </p15:sldGuideLst>
-    </p:ext>
-  </p:extLst>
 </p:presentation>
 </file>
 
@@ -325,7 +309,7 @@
           <a:p>
             <a:fld id="{08775B08-2F3B-46AF-8C6B-8CE7990FAF83}" type="datetimeFigureOut">
               <a:rPr kumimoji="1" lang="ja-JP" altLang="en-US" smtClean="0"/>
-              <a:t>2017/5/25</a:t>
+              <a:t>2017/3/15</a:t>
             </a:fld>
             <a:endParaRPr kumimoji="1" lang="ja-JP" altLang="en-US"/>
           </a:p>
@@ -806,7 +790,7 @@
           <a:p>
             <a:fld id="{1CFBAB90-0EED-4191-80E3-B95538637E9A}" type="datetime1">
               <a:rPr kumimoji="1" lang="ja-JP" altLang="en-US" smtClean="0"/>
-              <a:t>2017/5/25</a:t>
+              <a:t>2017/3/15</a:t>
             </a:fld>
             <a:endParaRPr kumimoji="1" lang="ja-JP" altLang="en-US"/>
           </a:p>
@@ -1008,7 +992,7 @@
           <a:p>
             <a:fld id="{8F1B3AC0-0F88-469C-B7E8-234014D4E448}" type="datetime1">
               <a:rPr kumimoji="1" lang="ja-JP" altLang="en-US" smtClean="0"/>
-              <a:t>2017/5/25</a:t>
+              <a:t>2017/3/15</a:t>
             </a:fld>
             <a:endParaRPr kumimoji="1" lang="ja-JP" altLang="en-US"/>
           </a:p>
@@ -1220,7 +1204,7 @@
           <a:p>
             <a:fld id="{3230FD36-7324-429A-8DEE-8D0BCCDF9993}" type="datetime1">
               <a:rPr kumimoji="1" lang="ja-JP" altLang="en-US" smtClean="0"/>
-              <a:t>2017/5/25</a:t>
+              <a:t>2017/3/15</a:t>
             </a:fld>
             <a:endParaRPr kumimoji="1" lang="ja-JP" altLang="en-US"/>
           </a:p>
@@ -1675,7 +1659,7 @@
           <a:p>
             <a:fld id="{4CB088CB-9D3E-472B-8C83-C33DAFA14439}" type="datetime1">
               <a:rPr kumimoji="1" lang="ja-JP" altLang="en-US" smtClean="0"/>
-              <a:t>2017/5/25</a:t>
+              <a:t>2017/3/15</a:t>
             </a:fld>
             <a:endParaRPr kumimoji="1" lang="ja-JP" altLang="en-US"/>
           </a:p>
@@ -2027,7 +2011,7 @@
           <a:p>
             <a:fld id="{D7311870-C5D4-4974-B7FA-4F907EB392B1}" type="datetime1">
               <a:rPr kumimoji="1" lang="ja-JP" altLang="en-US" smtClean="0"/>
-              <a:t>2017/5/25</a:t>
+              <a:t>2017/3/15</a:t>
             </a:fld>
             <a:endParaRPr kumimoji="1" lang="ja-JP" altLang="en-US"/>
           </a:p>
@@ -2513,7 +2497,7 @@
           <a:p>
             <a:fld id="{01C33D39-F6BE-42B4-BCD0-3264BF2B5E1A}" type="datetime1">
               <a:rPr kumimoji="1" lang="ja-JP" altLang="en-US" smtClean="0"/>
-              <a:t>2017/5/25</a:t>
+              <a:t>2017/3/15</a:t>
             </a:fld>
             <a:endParaRPr kumimoji="1" lang="ja-JP" altLang="en-US"/>
           </a:p>
@@ -2631,7 +2615,7 @@
           <a:p>
             <a:fld id="{B66A35D8-323F-4F67-93E8-10DAE3584813}" type="datetime1">
               <a:rPr kumimoji="1" lang="ja-JP" altLang="en-US" smtClean="0"/>
-              <a:t>2017/5/25</a:t>
+              <a:t>2017/3/15</a:t>
             </a:fld>
             <a:endParaRPr kumimoji="1" lang="ja-JP" altLang="en-US"/>
           </a:p>
@@ -2726,7 +2710,7 @@
           <a:p>
             <a:fld id="{365E7FCB-10B6-406A-88A9-CFD485344614}" type="datetime1">
               <a:rPr kumimoji="1" lang="ja-JP" altLang="en-US" smtClean="0"/>
-              <a:t>2017/5/25</a:t>
+              <a:t>2017/3/15</a:t>
             </a:fld>
             <a:endParaRPr kumimoji="1" lang="ja-JP" altLang="en-US"/>
           </a:p>
@@ -3035,7 +3019,7 @@
           <a:p>
             <a:fld id="{4472583D-6700-47A4-92D6-3CCE3A3E4ECF}" type="datetime1">
               <a:rPr kumimoji="1" lang="ja-JP" altLang="en-US" smtClean="0"/>
-              <a:t>2017/5/25</a:t>
+              <a:t>2017/3/15</a:t>
             </a:fld>
             <a:endParaRPr kumimoji="1" lang="ja-JP" altLang="en-US"/>
           </a:p>
@@ -3288,7 +3272,7 @@
           <a:p>
             <a:fld id="{9F8C1C7B-9E4E-4059-96D1-83234B750861}" type="datetime1">
               <a:rPr kumimoji="1" lang="ja-JP" altLang="en-US" smtClean="0"/>
-              <a:t>2017/5/25</a:t>
+              <a:t>2017/3/15</a:t>
             </a:fld>
             <a:endParaRPr kumimoji="1" lang="ja-JP" altLang="en-US"/>
           </a:p>
@@ -3533,7 +3517,7 @@
           <a:p>
             <a:fld id="{A196305B-18EE-4954-A6AA-DE0C1A58DB8D}" type="datetime1">
               <a:rPr kumimoji="1" lang="ja-JP" altLang="en-US" smtClean="0"/>
-              <a:t>2017/5/25</a:t>
+              <a:t>2017/3/15</a:t>
             </a:fld>
             <a:endParaRPr kumimoji="1" lang="ja-JP" altLang="en-US"/>
           </a:p>
@@ -6063,7 +6047,11 @@
             </a:r>
             <a:r>
               <a:rPr lang="en-US" altLang="ja-JP" sz="4000" dirty="0" smtClean="0"/>
-              <a:t>indexes, </a:t>
+              <a:t>indexes</a:t>
+            </a:r>
+            <a:r>
+              <a:rPr lang="en-US" altLang="ja-JP" sz="4000" dirty="0" smtClean="0"/>
+              <a:t>, </a:t>
             </a:r>
             <a:r>
               <a:rPr lang="en-US" altLang="ja-JP" sz="4000" dirty="0"/>
@@ -22534,7 +22522,11 @@
             </a:r>
             <a:r>
               <a:rPr lang="en-US" altLang="ja-JP" sz="4000" dirty="0" smtClean="0"/>
-              <a:t>right </a:t>
+              <a:t>right</a:t>
+            </a:r>
+            <a:r>
+              <a:rPr lang="en-US" altLang="ja-JP" sz="4000" dirty="0" smtClean="0"/>
+              <a:t> </a:t>
             </a:r>
             <a:r>
               <a:rPr lang="en-US" altLang="ja-JP" sz="4000" dirty="0"/>
